--- a/statistics/confidence_intervals/CONFIDENCE INTERVALS.pptx
+++ b/statistics/confidence_intervals/CONFIDENCE INTERVALS.pptx
@@ -128,6 +128,30 @@
 <file path=ppt/changesInfos/changesInfo1.xml><?xml version="1.0" encoding="utf-8"?>
 <pc:chgInfo xmlns:a="http://schemas.openxmlformats.org/drawingml/2006/main" xmlns:r="http://schemas.openxmlformats.org/officeDocument/2006/relationships" xmlns:ac="http://schemas.microsoft.com/office/drawing/2013/main/command" xmlns:pc="http://schemas.microsoft.com/office/powerpoint/2013/main/command">
   <pc:docChgLst>
+    <pc:chgData name="Andres Namm" userId="3bd713e0-d981-434b-b169-c962e4b65020" providerId="ADAL" clId="{4FE4D619-4300-40D5-807D-168542D24875}"/>
+    <pc:docChg chg="modSld">
+      <pc:chgData name="Andres Namm" userId="3bd713e0-d981-434b-b169-c962e4b65020" providerId="ADAL" clId="{4FE4D619-4300-40D5-807D-168542D24875}" dt="2022-03-02T17:56:11.556" v="58" actId="20577"/>
+      <pc:docMkLst>
+        <pc:docMk/>
+      </pc:docMkLst>
+      <pc:sldChg chg="modSp mod">
+        <pc:chgData name="Andres Namm" userId="3bd713e0-d981-434b-b169-c962e4b65020" providerId="ADAL" clId="{4FE4D619-4300-40D5-807D-168542D24875}" dt="2022-03-02T17:56:11.556" v="58" actId="20577"/>
+        <pc:sldMkLst>
+          <pc:docMk/>
+          <pc:sldMk cId="3705747264" sldId="262"/>
+        </pc:sldMkLst>
+        <pc:spChg chg="mod">
+          <ac:chgData name="Andres Namm" userId="3bd713e0-d981-434b-b169-c962e4b65020" providerId="ADAL" clId="{4FE4D619-4300-40D5-807D-168542D24875}" dt="2022-03-02T17:56:11.556" v="58" actId="20577"/>
+          <ac:spMkLst>
+            <pc:docMk/>
+            <pc:sldMk cId="3705747264" sldId="262"/>
+            <ac:spMk id="3" creationId="{37B041CC-63D7-4526-B208-37DA0BD4669E}"/>
+          </ac:spMkLst>
+        </pc:spChg>
+      </pc:sldChg>
+    </pc:docChg>
+  </pc:docChgLst>
+  <pc:docChgLst>
     <pc:chgData name="Andres Namm" userId="3bd713e0-d981-434b-b169-c962e4b65020" providerId="ADAL" clId="{A32BD15C-20A6-4866-A2C9-A72650FE7203}"/>
     <pc:docChg chg="modSld">
       <pc:chgData name="Andres Namm" userId="3bd713e0-d981-434b-b169-c962e4b65020" providerId="ADAL" clId="{A32BD15C-20A6-4866-A2C9-A72650FE7203}" dt="2021-12-04T04:54:36.199" v="155" actId="20577"/>
@@ -159,30 +183,6 @@
       </pc:sldChg>
     </pc:docChg>
   </pc:docChgLst>
-  <pc:docChgLst>
-    <pc:chgData name="Andres Namm" userId="3bd713e0-d981-434b-b169-c962e4b65020" providerId="ADAL" clId="{4FE4D619-4300-40D5-807D-168542D24875}"/>
-    <pc:docChg chg="modSld">
-      <pc:chgData name="Andres Namm" userId="3bd713e0-d981-434b-b169-c962e4b65020" providerId="ADAL" clId="{4FE4D619-4300-40D5-807D-168542D24875}" dt="2022-03-02T17:56:11.556" v="58" actId="20577"/>
-      <pc:docMkLst>
-        <pc:docMk/>
-      </pc:docMkLst>
-      <pc:sldChg chg="modSp mod">
-        <pc:chgData name="Andres Namm" userId="3bd713e0-d981-434b-b169-c962e4b65020" providerId="ADAL" clId="{4FE4D619-4300-40D5-807D-168542D24875}" dt="2022-03-02T17:56:11.556" v="58" actId="20577"/>
-        <pc:sldMkLst>
-          <pc:docMk/>
-          <pc:sldMk cId="3705747264" sldId="262"/>
-        </pc:sldMkLst>
-        <pc:spChg chg="mod">
-          <ac:chgData name="Andres Namm" userId="3bd713e0-d981-434b-b169-c962e4b65020" providerId="ADAL" clId="{4FE4D619-4300-40D5-807D-168542D24875}" dt="2022-03-02T17:56:11.556" v="58" actId="20577"/>
-          <ac:spMkLst>
-            <pc:docMk/>
-            <pc:sldMk cId="3705747264" sldId="262"/>
-            <ac:spMk id="3" creationId="{37B041CC-63D7-4526-B208-37DA0BD4669E}"/>
-          </ac:spMkLst>
-        </pc:spChg>
-      </pc:sldChg>
-    </pc:docChg>
-  </pc:docChgLst>
 </pc:chgInfo>
 </file>
 
@@ -333,7 +333,7 @@
           <a:p>
             <a:fld id="{88467B0E-5540-45FB-A462-5A9BF35DAF27}" type="datetimeFigureOut">
               <a:rPr lang="en-US" smtClean="0"/>
-              <a:t>3/2/2022</a:t>
+              <a:t>10/7/2022</a:t>
             </a:fld>
             <a:endParaRPr lang="en-US"/>
           </a:p>
@@ -531,7 +531,7 @@
           <a:p>
             <a:fld id="{88467B0E-5540-45FB-A462-5A9BF35DAF27}" type="datetimeFigureOut">
               <a:rPr lang="en-US" smtClean="0"/>
-              <a:t>3/2/2022</a:t>
+              <a:t>10/7/2022</a:t>
             </a:fld>
             <a:endParaRPr lang="en-US"/>
           </a:p>
@@ -739,7 +739,7 @@
           <a:p>
             <a:fld id="{88467B0E-5540-45FB-A462-5A9BF35DAF27}" type="datetimeFigureOut">
               <a:rPr lang="en-US" smtClean="0"/>
-              <a:t>3/2/2022</a:t>
+              <a:t>10/7/2022</a:t>
             </a:fld>
             <a:endParaRPr lang="en-US"/>
           </a:p>
@@ -937,7 +937,7 @@
           <a:p>
             <a:fld id="{88467B0E-5540-45FB-A462-5A9BF35DAF27}" type="datetimeFigureOut">
               <a:rPr lang="en-US" smtClean="0"/>
-              <a:t>3/2/2022</a:t>
+              <a:t>10/7/2022</a:t>
             </a:fld>
             <a:endParaRPr lang="en-US"/>
           </a:p>
@@ -1212,7 +1212,7 @@
           <a:p>
             <a:fld id="{88467B0E-5540-45FB-A462-5A9BF35DAF27}" type="datetimeFigureOut">
               <a:rPr lang="en-US" smtClean="0"/>
-              <a:t>3/2/2022</a:t>
+              <a:t>10/7/2022</a:t>
             </a:fld>
             <a:endParaRPr lang="en-US"/>
           </a:p>
@@ -1477,7 +1477,7 @@
           <a:p>
             <a:fld id="{88467B0E-5540-45FB-A462-5A9BF35DAF27}" type="datetimeFigureOut">
               <a:rPr lang="en-US" smtClean="0"/>
-              <a:t>3/2/2022</a:t>
+              <a:t>10/7/2022</a:t>
             </a:fld>
             <a:endParaRPr lang="en-US"/>
           </a:p>
@@ -1889,7 +1889,7 @@
           <a:p>
             <a:fld id="{88467B0E-5540-45FB-A462-5A9BF35DAF27}" type="datetimeFigureOut">
               <a:rPr lang="en-US" smtClean="0"/>
-              <a:t>3/2/2022</a:t>
+              <a:t>10/7/2022</a:t>
             </a:fld>
             <a:endParaRPr lang="en-US"/>
           </a:p>
@@ -2030,7 +2030,7 @@
           <a:p>
             <a:fld id="{88467B0E-5540-45FB-A462-5A9BF35DAF27}" type="datetimeFigureOut">
               <a:rPr lang="en-US" smtClean="0"/>
-              <a:t>3/2/2022</a:t>
+              <a:t>10/7/2022</a:t>
             </a:fld>
             <a:endParaRPr lang="en-US"/>
           </a:p>
@@ -2143,7 +2143,7 @@
           <a:p>
             <a:fld id="{88467B0E-5540-45FB-A462-5A9BF35DAF27}" type="datetimeFigureOut">
               <a:rPr lang="en-US" smtClean="0"/>
-              <a:t>3/2/2022</a:t>
+              <a:t>10/7/2022</a:t>
             </a:fld>
             <a:endParaRPr lang="en-US"/>
           </a:p>
@@ -2454,7 +2454,7 @@
           <a:p>
             <a:fld id="{88467B0E-5540-45FB-A462-5A9BF35DAF27}" type="datetimeFigureOut">
               <a:rPr lang="en-US" smtClean="0"/>
-              <a:t>3/2/2022</a:t>
+              <a:t>10/7/2022</a:t>
             </a:fld>
             <a:endParaRPr lang="en-US"/>
           </a:p>
@@ -2742,7 +2742,7 @@
           <a:p>
             <a:fld id="{88467B0E-5540-45FB-A462-5A9BF35DAF27}" type="datetimeFigureOut">
               <a:rPr lang="en-US" smtClean="0"/>
-              <a:t>3/2/2022</a:t>
+              <a:t>10/7/2022</a:t>
             </a:fld>
             <a:endParaRPr lang="en-US"/>
           </a:p>
@@ -2983,7 +2983,7 @@
           <a:p>
             <a:fld id="{88467B0E-5540-45FB-A462-5A9BF35DAF27}" type="datetimeFigureOut">
               <a:rPr lang="en-US" smtClean="0"/>
-              <a:t>3/2/2022</a:t>
+              <a:t>10/7/2022</a:t>
             </a:fld>
             <a:endParaRPr lang="en-US"/>
           </a:p>
@@ -4154,7 +4154,15 @@
             </a:r>
             <a:r>
               <a:rPr lang="et-EE" sz="1600" dirty="0"/>
-              <a:t>with any kind of distribution</a:t>
+              <a:t>with any kind of </a:t>
+            </a:r>
+            <a:r>
+              <a:rPr lang="et-EE" sz="1600" dirty="0" err="1"/>
+              <a:t>distribution</a:t>
+            </a:r>
+            <a:r>
+              <a:rPr lang="en-US" sz="1600" dirty="0"/>
+              <a:t> and assume a 95 % confidence interval</a:t>
             </a:r>
             <a:endParaRPr lang="en-US" dirty="0"/>
           </a:p>
@@ -4181,7 +4189,7 @@
             <p:spPr/>
             <p:txBody>
               <a:bodyPr>
-                <a:normAutofit fontScale="70000" lnSpcReduction="20000"/>
+                <a:normAutofit fontScale="62500" lnSpcReduction="20000"/>
               </a:bodyPr>
               <a:lstStyle/>
               <a:p>
@@ -4313,7 +4321,7 @@
               <a:p>
                 <a:r>
                   <a:rPr lang="en-US" dirty="0"/>
-                  <a:t>Based on the characteristics of Normal distribution we can say with 95 % confidence that </a:t>
+                  <a:t>Based on the characteristics of Normal distribution (95 % of data 2 STD from mean) we can say with 95 % confidence that </a:t>
                 </a:r>
                 <a14:m>
                   <m:oMath xmlns:m="http://schemas.openxmlformats.org/officeDocument/2006/math">
@@ -4647,34 +4655,21 @@
                 </a14:m>
                 <a:r>
                   <a:rPr lang="en-US" b="1" dirty="0"/>
-                  <a:t>  from our observation. </a:t>
+                  <a:t>  from our observation.  </a:t>
                 </a:r>
               </a:p>
               <a:p>
                 <a:pPr lvl="1"/>
                 <a:r>
                   <a:rPr lang="en-US" b="1" dirty="0"/>
-                  <a:t>AKA we have confidence interval of 95 % that global mean </a:t>
-                </a:r>
-                <a14:m>
-                  <m:oMath xmlns:m="http://schemas.openxmlformats.org/officeDocument/2006/math">
-                    <m:r>
-                      <a:rPr lang="en-US" b="1" i="1" smtClean="0">
-                        <a:latin typeface="Cambria Math" panose="02040503050406030204" pitchFamily="18" charset="0"/>
-                      </a:rPr>
-                      <m:t>𝝁</m:t>
-                    </m:r>
-                    <m:r>
-                      <a:rPr lang="en-US" b="1" i="1" smtClean="0">
-                        <a:latin typeface="Cambria Math" panose="02040503050406030204" pitchFamily="18" charset="0"/>
-                      </a:rPr>
-                      <m:t> </m:t>
-                    </m:r>
-                  </m:oMath>
-                </a14:m>
+                  <a:t>If it would not</a:t>
+                </a:r>
+              </a:p>
+              <a:p>
+                <a:pPr lvl="2"/>
                 <a:r>
                   <a:rPr lang="en-US" b="1" dirty="0"/>
-                  <a:t> is in area of  +/- </a:t>
+                  <a:t>The observation would have to be further than </a:t>
                 </a:r>
                 <a:r>
                   <a:rPr lang="en-US" dirty="0"/>
@@ -4738,54 +4733,14 @@
                 </a14:m>
                 <a:r>
                   <a:rPr lang="en-US" b="1" dirty="0"/>
-                  <a:t>  from  </a:t>
-                </a:r>
-                <a:r>
-                  <a:rPr lang="en-US" dirty="0"/>
-                  <a:t> </a:t>
-                </a:r>
-                <a14:m>
-                  <m:oMath xmlns:m="http://schemas.openxmlformats.org/officeDocument/2006/math">
-                    <m:acc>
-                      <m:accPr>
-                        <m:chr m:val="̂"/>
-                        <m:ctrlPr>
-                          <a:rPr lang="et-EE" i="1" smtClean="0">
-                            <a:solidFill>
-                              <a:srgbClr val="836967"/>
-                            </a:solidFill>
-                            <a:latin typeface="Cambria Math" panose="02040503050406030204" pitchFamily="18" charset="0"/>
-                          </a:rPr>
-                        </m:ctrlPr>
-                      </m:accPr>
-                      <m:e>
-                        <m:r>
-                          <a:rPr lang="et-EE" i="1" smtClean="0">
-                            <a:latin typeface="Cambria Math" panose="02040503050406030204" pitchFamily="18" charset="0"/>
-                          </a:rPr>
-                          <m:t>𝜇</m:t>
-                        </m:r>
-                      </m:e>
-                    </m:acc>
-                  </m:oMath>
-                </a14:m>
-                <a:r>
-                  <a:rPr lang="en-US" dirty="0"/>
-                  <a:t> </a:t>
+                  <a:t> from the global mean</a:t>
                 </a:r>
               </a:p>
               <a:p>
                 <a:pPr lvl="1"/>
                 <a:r>
-                  <a:rPr lang="en-US" dirty="0"/>
-                  <a:t>OR </a:t>
-                </a:r>
-              </a:p>
-              <a:p>
-                <a:pPr lvl="1"/>
-                <a:r>
                   <a:rPr lang="en-US" b="1" dirty="0"/>
-                  <a:t>With same logic we have confidence interval of 99 % that global mean </a:t>
+                  <a:t>AKA we have confidence interval of 95 % that global mean </a:t>
                 </a:r>
                 <a14:m>
                   <m:oMath xmlns:m="http://schemas.openxmlformats.org/officeDocument/2006/math">
@@ -4795,15 +4750,21 @@
                       </a:rPr>
                       <m:t>𝝁</m:t>
                     </m:r>
+                    <m:r>
+                      <a:rPr lang="en-US" b="1" i="1" smtClean="0">
+                        <a:latin typeface="Cambria Math" panose="02040503050406030204" pitchFamily="18" charset="0"/>
+                      </a:rPr>
+                      <m:t> </m:t>
+                    </m:r>
                   </m:oMath>
                 </a14:m>
                 <a:r>
                   <a:rPr lang="en-US" b="1" dirty="0"/>
-                  <a:t> is in area of   +/- </a:t>
+                  <a:t> is in area of  +/- </a:t>
                 </a:r>
                 <a:r>
                   <a:rPr lang="en-US" dirty="0"/>
-                  <a:t>2.5</a:t>
+                  <a:t>2</a:t>
                 </a:r>
                 <a:r>
                   <a:rPr lang="en-US" b="1" dirty="0">
@@ -4900,6 +4861,131 @@
                 </a:r>
               </a:p>
               <a:p>
+                <a:pPr lvl="1"/>
+                <a:r>
+                  <a:rPr lang="en-US" dirty="0"/>
+                  <a:t>OR </a:t>
+                </a:r>
+              </a:p>
+              <a:p>
+                <a:pPr lvl="1"/>
+                <a:r>
+                  <a:rPr lang="en-US" b="1" dirty="0"/>
+                  <a:t>With same logic we have confidence interval of 99 % that global mean </a:t>
+                </a:r>
+                <a14:m>
+                  <m:oMath xmlns:m="http://schemas.openxmlformats.org/officeDocument/2006/math">
+                    <m:r>
+                      <a:rPr lang="en-US" b="1" i="1" smtClean="0">
+                        <a:latin typeface="Cambria Math" panose="02040503050406030204" pitchFamily="18" charset="0"/>
+                      </a:rPr>
+                      <m:t>𝝁</m:t>
+                    </m:r>
+                  </m:oMath>
+                </a14:m>
+                <a:r>
+                  <a:rPr lang="en-US" b="1" dirty="0"/>
+                  <a:t> is in area of   +/- </a:t>
+                </a:r>
+                <a:r>
+                  <a:rPr lang="en-US" dirty="0"/>
+                  <a:t>2.5</a:t>
+                </a:r>
+                <a:r>
+                  <a:rPr lang="en-US" b="1" dirty="0">
+                    <a:solidFill>
+                      <a:srgbClr val="836967"/>
+                    </a:solidFill>
+                  </a:rPr>
+                  <a:t> </a:t>
+                </a:r>
+                <a14:m>
+                  <m:oMath xmlns:m="http://schemas.openxmlformats.org/officeDocument/2006/math">
+                    <m:f>
+                      <m:fPr>
+                        <m:ctrlPr>
+                          <a:rPr lang="en-US" b="1" i="1" smtClean="0">
+                            <a:solidFill>
+                              <a:srgbClr val="836967"/>
+                            </a:solidFill>
+                            <a:latin typeface="Cambria Math" panose="02040503050406030204" pitchFamily="18" charset="0"/>
+                          </a:rPr>
+                        </m:ctrlPr>
+                      </m:fPr>
+                      <m:num>
+                        <m:r>
+                          <a:rPr lang="en-US" b="1" i="1">
+                            <a:latin typeface="Cambria Math" panose="02040503050406030204" pitchFamily="18" charset="0"/>
+                          </a:rPr>
+                          <m:t>𝝈</m:t>
+                        </m:r>
+                      </m:num>
+                      <m:den>
+                        <m:rad>
+                          <m:radPr>
+                            <m:degHide m:val="on"/>
+                            <m:ctrlPr>
+                              <a:rPr lang="en-US" b="1" i="1">
+                                <a:solidFill>
+                                  <a:srgbClr val="836967"/>
+                                </a:solidFill>
+                                <a:latin typeface="Cambria Math" panose="02040503050406030204" pitchFamily="18" charset="0"/>
+                              </a:rPr>
+                            </m:ctrlPr>
+                          </m:radPr>
+                          <m:deg/>
+                          <m:e>
+                            <m:r>
+                              <a:rPr lang="en-US" b="1" i="1">
+                                <a:latin typeface="Cambria Math" panose="02040503050406030204" pitchFamily="18" charset="0"/>
+                              </a:rPr>
+                              <m:t>𝒏</m:t>
+                            </m:r>
+                          </m:e>
+                        </m:rad>
+                      </m:den>
+                    </m:f>
+                  </m:oMath>
+                </a14:m>
+                <a:r>
+                  <a:rPr lang="en-US" b="1" dirty="0"/>
+                  <a:t>  from  </a:t>
+                </a:r>
+                <a:r>
+                  <a:rPr lang="en-US" dirty="0"/>
+                  <a:t> </a:t>
+                </a:r>
+                <a14:m>
+                  <m:oMath xmlns:m="http://schemas.openxmlformats.org/officeDocument/2006/math">
+                    <m:acc>
+                      <m:accPr>
+                        <m:chr m:val="̂"/>
+                        <m:ctrlPr>
+                          <a:rPr lang="et-EE" i="1" smtClean="0">
+                            <a:solidFill>
+                              <a:srgbClr val="836967"/>
+                            </a:solidFill>
+                            <a:latin typeface="Cambria Math" panose="02040503050406030204" pitchFamily="18" charset="0"/>
+                          </a:rPr>
+                        </m:ctrlPr>
+                      </m:accPr>
+                      <m:e>
+                        <m:r>
+                          <a:rPr lang="et-EE" i="1" smtClean="0">
+                            <a:latin typeface="Cambria Math" panose="02040503050406030204" pitchFamily="18" charset="0"/>
+                          </a:rPr>
+                          <m:t>𝜇</m:t>
+                        </m:r>
+                      </m:e>
+                    </m:acc>
+                  </m:oMath>
+                </a14:m>
+                <a:r>
+                  <a:rPr lang="en-US" dirty="0"/>
+                  <a:t> </a:t>
+                </a:r>
+              </a:p>
+              <a:p>
                 <a:pPr marL="457200" lvl="1" indent="0">
                   <a:buNone/>
                 </a:pPr>
@@ -4945,7 +5031,7 @@
               <a:blipFill>
                 <a:blip r:embed="rId2"/>
                 <a:stretch>
-                  <a:fillRect l="-522" t="-2521"/>
+                  <a:fillRect l="-406" t="-2241" r="-232"/>
                 </a:stretch>
               </a:blipFill>
             </p:spPr>
